--- a/poster.pptx
+++ b/poster.pptx
@@ -138,38 +138,6 @@
 <file path=ppt/changesInfos/changesInfo1.xml><?xml version="1.0" encoding="utf-8"?>
 <pc:chgInfo xmlns:a="http://schemas.openxmlformats.org/drawingml/2006/main" xmlns:r="http://schemas.openxmlformats.org/officeDocument/2006/relationships" xmlns:ac="http://schemas.microsoft.com/office/drawing/2013/main/command" xmlns:pc="http://schemas.microsoft.com/office/powerpoint/2013/main/command">
   <pc:docChgLst>
-    <pc:chgData name="christian gribsvad" userId="8489cd97ceea1779" providerId="LiveId" clId="{AC1D404A-2FF9-4163-8620-326840FD8733}"/>
-    <pc:docChg chg="undo custSel modSld">
-      <pc:chgData name="christian gribsvad" userId="8489cd97ceea1779" providerId="LiveId" clId="{AC1D404A-2FF9-4163-8620-326840FD8733}" dt="2022-12-06T08:47:09.450" v="8" actId="13926"/>
-      <pc:docMkLst>
-        <pc:docMk/>
-      </pc:docMkLst>
-      <pc:sldChg chg="delSp modSp mod">
-        <pc:chgData name="christian gribsvad" userId="8489cd97ceea1779" providerId="LiveId" clId="{AC1D404A-2FF9-4163-8620-326840FD8733}" dt="2022-12-06T08:47:09.450" v="8" actId="13926"/>
-        <pc:sldMkLst>
-          <pc:docMk/>
-          <pc:sldMk cId="3535569390" sldId="256"/>
-        </pc:sldMkLst>
-        <pc:spChg chg="mod">
-          <ac:chgData name="christian gribsvad" userId="8489cd97ceea1779" providerId="LiveId" clId="{AC1D404A-2FF9-4163-8620-326840FD8733}" dt="2022-12-06T08:47:09.450" v="8" actId="13926"/>
-          <ac:spMkLst>
-            <pc:docMk/>
-            <pc:sldMk cId="3535569390" sldId="256"/>
-            <ac:spMk id="41" creationId="{00000000-0000-0000-0000-000000000000}"/>
-          </ac:spMkLst>
-        </pc:spChg>
-        <pc:picChg chg="del">
-          <ac:chgData name="christian gribsvad" userId="8489cd97ceea1779" providerId="LiveId" clId="{AC1D404A-2FF9-4163-8620-326840FD8733}" dt="2022-12-06T08:46:40.997" v="5" actId="478"/>
-          <ac:picMkLst>
-            <pc:docMk/>
-            <pc:sldMk cId="3535569390" sldId="256"/>
-            <ac:picMk id="40" creationId="{00000000-0000-0000-0000-000000000000}"/>
-          </ac:picMkLst>
-        </pc:picChg>
-      </pc:sldChg>
-    </pc:docChg>
-  </pc:docChgLst>
-  <pc:docChgLst>
     <pc:chgData name="Matias Bundgaard-Nielsen" userId="936341f72d0a0900" providerId="LiveId" clId="{058D2CAA-C272-47D4-9FF0-804C34B43DFA}"/>
     <pc:docChg chg="undo custSel modSld">
       <pc:chgData name="Matias Bundgaard-Nielsen" userId="936341f72d0a0900" providerId="LiveId" clId="{058D2CAA-C272-47D4-9FF0-804C34B43DFA}" dt="2022-12-06T08:50:39.269" v="63" actId="20577"/>
@@ -249,6 +217,38 @@
       </pc:sldChg>
     </pc:docChg>
   </pc:docChgLst>
+  <pc:docChgLst>
+    <pc:chgData name="christian gribsvad" userId="8489cd97ceea1779" providerId="LiveId" clId="{AC1D404A-2FF9-4163-8620-326840FD8733}"/>
+    <pc:docChg chg="undo custSel modSld">
+      <pc:chgData name="christian gribsvad" userId="8489cd97ceea1779" providerId="LiveId" clId="{AC1D404A-2FF9-4163-8620-326840FD8733}" dt="2022-12-06T08:47:09.450" v="8" actId="13926"/>
+      <pc:docMkLst>
+        <pc:docMk/>
+      </pc:docMkLst>
+      <pc:sldChg chg="delSp modSp mod">
+        <pc:chgData name="christian gribsvad" userId="8489cd97ceea1779" providerId="LiveId" clId="{AC1D404A-2FF9-4163-8620-326840FD8733}" dt="2022-12-06T08:47:09.450" v="8" actId="13926"/>
+        <pc:sldMkLst>
+          <pc:docMk/>
+          <pc:sldMk cId="3535569390" sldId="256"/>
+        </pc:sldMkLst>
+        <pc:spChg chg="mod">
+          <ac:chgData name="christian gribsvad" userId="8489cd97ceea1779" providerId="LiveId" clId="{AC1D404A-2FF9-4163-8620-326840FD8733}" dt="2022-12-06T08:47:09.450" v="8" actId="13926"/>
+          <ac:spMkLst>
+            <pc:docMk/>
+            <pc:sldMk cId="3535569390" sldId="256"/>
+            <ac:spMk id="41" creationId="{00000000-0000-0000-0000-000000000000}"/>
+          </ac:spMkLst>
+        </pc:spChg>
+        <pc:picChg chg="del">
+          <ac:chgData name="christian gribsvad" userId="8489cd97ceea1779" providerId="LiveId" clId="{AC1D404A-2FF9-4163-8620-326840FD8733}" dt="2022-12-06T08:46:40.997" v="5" actId="478"/>
+          <ac:picMkLst>
+            <pc:docMk/>
+            <pc:sldMk cId="3535569390" sldId="256"/>
+            <ac:picMk id="40" creationId="{00000000-0000-0000-0000-000000000000}"/>
+          </ac:picMkLst>
+        </pc:picChg>
+      </pc:sldChg>
+    </pc:docChg>
+  </pc:docChgLst>
 </pc:chgInfo>
 </file>
 
@@ -493,7 +493,7 @@
           <a:p>
             <a:fld id="{CC9E6684-6791-4948-8F6D-D5338D863BF9}" type="slidenum">
               <a:rPr lang="en-US" smtClean="0"/>
-              <a:t>‹nr.›</a:t>
+              <a:t>‹#›</a:t>
             </a:fld>
             <a:endParaRPr lang="en-US"/>
           </a:p>
@@ -646,7 +646,7 @@
           <a:bodyPr/>
           <a:lstStyle/>
           <a:p>
-            <a:endParaRPr lang="en-US" dirty="0"/>
+            <a:endParaRPr lang="en-US"/>
           </a:p>
         </p:txBody>
       </p:sp>
@@ -857,7 +857,7 @@
           <a:p>
             <a:fld id="{8B83BF64-1005-4AB6-BA28-BC92CEECE72E}" type="slidenum">
               <a:rPr lang="da-DK" smtClean="0"/>
-              <a:t>‹nr.›</a:t>
+              <a:t>‹#›</a:t>
             </a:fld>
             <a:endParaRPr lang="da-DK"/>
           </a:p>
@@ -1025,7 +1025,7 @@
           <a:p>
             <a:fld id="{8B83BF64-1005-4AB6-BA28-BC92CEECE72E}" type="slidenum">
               <a:rPr lang="da-DK" smtClean="0"/>
-              <a:t>‹nr.›</a:t>
+              <a:t>‹#›</a:t>
             </a:fld>
             <a:endParaRPr lang="da-DK"/>
           </a:p>
@@ -1203,7 +1203,7 @@
           <a:p>
             <a:fld id="{8B83BF64-1005-4AB6-BA28-BC92CEECE72E}" type="slidenum">
               <a:rPr lang="da-DK" smtClean="0"/>
-              <a:t>‹nr.›</a:t>
+              <a:t>‹#›</a:t>
             </a:fld>
             <a:endParaRPr lang="da-DK"/>
           </a:p>
@@ -1371,7 +1371,7 @@
           <a:p>
             <a:fld id="{8B83BF64-1005-4AB6-BA28-BC92CEECE72E}" type="slidenum">
               <a:rPr lang="da-DK" smtClean="0"/>
-              <a:t>‹nr.›</a:t>
+              <a:t>‹#›</a:t>
             </a:fld>
             <a:endParaRPr lang="da-DK"/>
           </a:p>
@@ -1614,7 +1614,7 @@
           <a:p>
             <a:fld id="{8B83BF64-1005-4AB6-BA28-BC92CEECE72E}" type="slidenum">
               <a:rPr lang="da-DK" smtClean="0"/>
-              <a:t>‹nr.›</a:t>
+              <a:t>‹#›</a:t>
             </a:fld>
             <a:endParaRPr lang="da-DK"/>
           </a:p>
@@ -1843,7 +1843,7 @@
           <a:p>
             <a:fld id="{8B83BF64-1005-4AB6-BA28-BC92CEECE72E}" type="slidenum">
               <a:rPr lang="da-DK" smtClean="0"/>
-              <a:t>‹nr.›</a:t>
+              <a:t>‹#›</a:t>
             </a:fld>
             <a:endParaRPr lang="da-DK"/>
           </a:p>
@@ -2207,7 +2207,7 @@
           <a:p>
             <a:fld id="{8B83BF64-1005-4AB6-BA28-BC92CEECE72E}" type="slidenum">
               <a:rPr lang="da-DK" smtClean="0"/>
-              <a:t>‹nr.›</a:t>
+              <a:t>‹#›</a:t>
             </a:fld>
             <a:endParaRPr lang="da-DK"/>
           </a:p>
@@ -2324,7 +2324,7 @@
           <a:p>
             <a:fld id="{8B83BF64-1005-4AB6-BA28-BC92CEECE72E}" type="slidenum">
               <a:rPr lang="da-DK" smtClean="0"/>
-              <a:t>‹nr.›</a:t>
+              <a:t>‹#›</a:t>
             </a:fld>
             <a:endParaRPr lang="da-DK"/>
           </a:p>
@@ -2419,7 +2419,7 @@
           <a:p>
             <a:fld id="{8B83BF64-1005-4AB6-BA28-BC92CEECE72E}" type="slidenum">
               <a:rPr lang="da-DK" smtClean="0"/>
-              <a:t>‹nr.›</a:t>
+              <a:t>‹#›</a:t>
             </a:fld>
             <a:endParaRPr lang="da-DK"/>
           </a:p>
@@ -2694,7 +2694,7 @@
           <a:p>
             <a:fld id="{8B83BF64-1005-4AB6-BA28-BC92CEECE72E}" type="slidenum">
               <a:rPr lang="da-DK" smtClean="0"/>
-              <a:t>‹nr.›</a:t>
+              <a:t>‹#›</a:t>
             </a:fld>
             <a:endParaRPr lang="da-DK"/>
           </a:p>
@@ -2949,7 +2949,7 @@
           <a:p>
             <a:fld id="{8B83BF64-1005-4AB6-BA28-BC92CEECE72E}" type="slidenum">
               <a:rPr lang="da-DK" smtClean="0"/>
-              <a:t>‹nr.›</a:t>
+              <a:t>‹#›</a:t>
             </a:fld>
             <a:endParaRPr lang="da-DK"/>
           </a:p>
@@ -3196,7 +3196,7 @@
           <a:p>
             <a:fld id="{8B83BF64-1005-4AB6-BA28-BC92CEECE72E}" type="slidenum">
               <a:rPr lang="da-DK" smtClean="0"/>
-              <a:t>‹nr.›</a:t>
+              <a:t>‹#›</a:t>
             </a:fld>
             <a:endParaRPr lang="da-DK"/>
           </a:p>
@@ -3707,7 +3707,7 @@
             <a:lstStyle/>
             <a:p>
               <a:pPr algn="ctr"/>
-              <a:endParaRPr lang="en-US" dirty="0"/>
+              <a:endParaRPr lang="en-US"/>
             </a:p>
           </p:txBody>
         </p:sp>
@@ -3751,21 +3751,21 @@
                 </a:spcAft>
               </a:pPr>
               <a:r>
-                <a:rPr lang="en-US" sz="4000" b="1" dirty="0"/>
+                <a:rPr lang="en-US" sz="4000" b="1"/>
                 <a:t>Master equation [2]: </a:t>
               </a:r>
               <a:r>
-                <a:rPr lang="en-US" sz="4000" dirty="0"/>
+                <a:rPr lang="en-US" sz="4000"/>
                 <a:t>Full quantum mechanical description of the emitter-cavity system using Jaynes-Cummings model. Losses are modeled as Lindblad terms and include: cavity out-coupling, pure dephasing, background radiation, and pumping (inverse loss).</a:t>
               </a:r>
             </a:p>
             <a:p>
               <a:r>
-                <a:rPr lang="en-US" sz="4000" b="1" dirty="0"/>
+                <a:rPr lang="en-US" sz="4000" b="1"/>
                 <a:t>Stochastic simulation of rate equation [5]: </a:t>
               </a:r>
               <a:r>
-                <a:rPr lang="en-US" sz="4000" dirty="0"/>
+                <a:rPr lang="en-US" sz="4000"/>
                 <a:t>The laser system is represented by stochastic Poisson processes representing the different events that may happen (stimulated emission and absorption, spontaneous emission, pumping, and photon loss), which all involve integer changes of the cavity population and the emitter excitation. In practice, we use Gillespie’s first-reaction method.</a:t>
               </a:r>
             </a:p>
@@ -3800,18 +3800,18 @@
             <a:lstStyle/>
             <a:p>
               <a:r>
-                <a:rPr lang="da-DK" sz="5000" b="1" dirty="0" err="1"/>
+                <a:rPr lang="da-DK" sz="5000" b="1" err="1"/>
                 <a:t>Computational</a:t>
               </a:r>
               <a:r>
-                <a:rPr lang="da-DK" sz="5000" b="1" dirty="0"/>
+                <a:rPr lang="da-DK" sz="5000" b="1"/>
                 <a:t> </a:t>
               </a:r>
               <a:r>
-                <a:rPr lang="da-DK" sz="5000" b="1" dirty="0" err="1"/>
+                <a:rPr lang="da-DK" sz="5000" b="1" err="1"/>
                 <a:t>methods</a:t>
               </a:r>
-              <a:endParaRPr lang="da-DK" sz="5000" b="1" dirty="0"/>
+              <a:endParaRPr lang="da-DK" sz="5000" b="1"/>
             </a:p>
           </p:txBody>
         </p:sp>
@@ -3902,7 +3902,7 @@
             <a:lstStyle/>
             <a:p>
               <a:pPr algn="ctr"/>
-              <a:endParaRPr lang="en-US" dirty="0"/>
+              <a:endParaRPr lang="en-US"/>
             </a:p>
           </p:txBody>
         </p:sp>
@@ -3941,49 +3941,49 @@
             <a:lstStyle/>
             <a:p>
               <a:r>
-                <a:rPr lang="en-US" sz="4000" dirty="0"/>
+                <a:rPr lang="en-US" sz="4000"/>
                 <a:t>For the </a:t>
               </a:r>
               <a:r>
-                <a:rPr lang="en-US" sz="4000" b="1" dirty="0" err="1"/>
+                <a:rPr lang="en-US" sz="4000" b="1" err="1"/>
                 <a:t>Intracavity</a:t>
               </a:r>
               <a:r>
-                <a:rPr lang="en-US" sz="4000" b="1" dirty="0"/>
+                <a:rPr lang="en-US" sz="4000" b="1"/>
                 <a:t> RIN, </a:t>
               </a:r>
               <a:r>
-                <a:rPr lang="en-US" sz="4000" dirty="0"/>
+                <a:rPr lang="en-US" sz="4000"/>
                 <a:t>Rabi oscillations manifests themselves below threshold in the master equation, but not in the stochastic approach. This is a shortcoming of the stochastic approach, as it does not account for the dynamical material polarization.  </a:t>
               </a:r>
             </a:p>
             <a:p>
-              <a:endParaRPr lang="en-US" dirty="0"/>
+              <a:endParaRPr lang="en-US"/>
             </a:p>
             <a:p>
               <a:r>
-                <a:rPr lang="en-US" sz="4000" dirty="0"/>
+                <a:rPr lang="en-US" sz="4000"/>
                 <a:t>For the </a:t>
               </a:r>
               <a:r>
-                <a:rPr lang="en-US" sz="4000" b="1" dirty="0"/>
+                <a:rPr lang="en-US" sz="4000" b="1"/>
                 <a:t>out-coupled RIN, </a:t>
               </a:r>
               <a:r>
-                <a:rPr lang="en-US" sz="4000" dirty="0"/>
+                <a:rPr lang="en-US" sz="4000"/>
                 <a:t>Rabi oscillations are not observed, as partition noise dominates.</a:t>
               </a:r>
             </a:p>
             <a:p>
-              <a:endParaRPr lang="en-US" b="1" dirty="0"/>
+              <a:endParaRPr lang="en-US" b="1"/>
             </a:p>
             <a:p>
               <a:r>
-                <a:rPr lang="en-US" sz="4000" b="1" dirty="0"/>
+                <a:rPr lang="en-US" sz="4000" b="1"/>
                 <a:t>Above threshold, </a:t>
               </a:r>
               <a:r>
-                <a:rPr lang="en-US" sz="4000" dirty="0"/>
+                <a:rPr lang="en-US" sz="4000"/>
                 <a:t>the two approaches agree, showing that the noise is due to the discrete-particle nature of emitter and photons.</a:t>
               </a:r>
             </a:p>
@@ -4018,23 +4018,23 @@
             <a:lstStyle/>
             <a:p>
               <a:r>
-                <a:rPr lang="da-DK" sz="5000" b="1" dirty="0"/>
+                <a:rPr lang="da-DK" sz="5000" b="1"/>
                 <a:t>Relative </a:t>
               </a:r>
               <a:r>
-                <a:rPr lang="da-DK" sz="5000" b="1" dirty="0" err="1"/>
+                <a:rPr lang="da-DK" sz="5000" b="1" err="1"/>
                 <a:t>Intensity</a:t>
               </a:r>
               <a:r>
-                <a:rPr lang="da-DK" sz="5000" b="1" dirty="0"/>
+                <a:rPr lang="da-DK" sz="5000" b="1"/>
                 <a:t> </a:t>
               </a:r>
               <a:r>
-                <a:rPr lang="da-DK" sz="5000" b="1" dirty="0" err="1"/>
+                <a:rPr lang="da-DK" sz="5000" b="1" err="1"/>
                 <a:t>Noise</a:t>
               </a:r>
               <a:r>
-                <a:rPr lang="da-DK" sz="5000" b="1" dirty="0"/>
+                <a:rPr lang="da-DK" sz="5000" b="1"/>
                 <a:t> (RIN)</a:t>
               </a:r>
             </a:p>
@@ -4127,7 +4127,7 @@
             <a:lstStyle/>
             <a:p>
               <a:pPr algn="ctr"/>
-              <a:endParaRPr lang="en-US" dirty="0"/>
+              <a:endParaRPr lang="en-US"/>
             </a:p>
           </p:txBody>
         </p:sp>
@@ -4166,7 +4166,7 @@
             <a:lstStyle/>
             <a:p>
               <a:r>
-                <a:rPr lang="en-US" sz="4000" dirty="0"/>
+                <a:rPr lang="en-US" sz="4000"/>
                 <a:t>For zero pure dephasing, four regimes are identified:</a:t>
               </a:r>
             </a:p>
@@ -4176,24 +4176,24 @@
                 <a:buChar char="•"/>
               </a:pPr>
               <a:r>
-                <a:rPr lang="en-US" sz="4000" b="1" dirty="0"/>
+                <a:rPr lang="en-US" sz="4000" b="1"/>
                 <a:t>Regime</a:t>
               </a:r>
               <a:r>
-                <a:rPr lang="en-US" sz="4000" b="1" dirty="0">
+                <a:rPr lang="en-US" sz="4000" b="1">
                   <a:latin typeface="Times New Roman" panose="02020603050405020304" pitchFamily="18" charset="0"/>
                   <a:cs typeface="Times New Roman" panose="02020603050405020304" pitchFamily="18" charset="0"/>
                 </a:rPr>
                 <a:t> I - </a:t>
               </a:r>
               <a:r>
-                <a:rPr lang="en-US" sz="4000" b="1" dirty="0">
+                <a:rPr lang="en-US" sz="4000" b="1">
                   <a:cs typeface="Times New Roman" panose="02020603050405020304" pitchFamily="18" charset="0"/>
                 </a:rPr>
                 <a:t>Below threshold: </a:t>
               </a:r>
               <a:r>
-                <a:rPr lang="en-US" sz="4000" dirty="0">
+                <a:rPr lang="en-US" sz="4000">
                   <a:cs typeface="Times New Roman" panose="02020603050405020304" pitchFamily="18" charset="0"/>
                 </a:rPr>
                 <a:t>Strong emitter-photon correlation leads to Rabi-oscillations.</a:t>
@@ -4205,24 +4205,24 @@
                 <a:buChar char="•"/>
               </a:pPr>
               <a:r>
-                <a:rPr lang="en-US" sz="4000" b="1" dirty="0"/>
+                <a:rPr lang="en-US" sz="4000" b="1"/>
                 <a:t>Regime</a:t>
               </a:r>
               <a:r>
-                <a:rPr lang="en-US" sz="4000" b="1" dirty="0">
+                <a:rPr lang="en-US" sz="4000" b="1">
                   <a:latin typeface="Times New Roman" panose="02020603050405020304" pitchFamily="18" charset="0"/>
                   <a:cs typeface="Times New Roman" panose="02020603050405020304" pitchFamily="18" charset="0"/>
                 </a:rPr>
                 <a:t> II - </a:t>
               </a:r>
               <a:r>
-                <a:rPr lang="en-US" sz="4000" b="1" dirty="0">
+                <a:rPr lang="en-US" sz="4000" b="1">
                   <a:cs typeface="Times New Roman" panose="02020603050405020304" pitchFamily="18" charset="0"/>
                 </a:rPr>
                 <a:t>Transition to lasing:</a:t>
               </a:r>
               <a:r>
-                <a:rPr lang="en-US" sz="4000" dirty="0">
+                <a:rPr lang="en-US" sz="4000">
                   <a:cs typeface="Times New Roman" panose="02020603050405020304" pitchFamily="18" charset="0"/>
                 </a:rPr>
                 <a:t> Multiple Rabi peaks appearing and collapsing to single peak</a:t>
@@ -4234,36 +4234,36 @@
                 <a:buChar char="•"/>
               </a:pPr>
               <a:r>
-                <a:rPr lang="en-US" sz="4000" b="1" dirty="0"/>
+                <a:rPr lang="en-US" sz="4000" b="1"/>
                 <a:t>Regime</a:t>
               </a:r>
               <a:r>
-                <a:rPr lang="en-US" sz="4000" b="1" dirty="0">
+                <a:rPr lang="en-US" sz="4000" b="1">
                   <a:latin typeface="Times New Roman" panose="02020603050405020304" pitchFamily="18" charset="0"/>
                   <a:cs typeface="Times New Roman" panose="02020603050405020304" pitchFamily="18" charset="0"/>
                 </a:rPr>
                 <a:t> III – </a:t>
               </a:r>
               <a:r>
-                <a:rPr lang="en-US" sz="4000" b="1" dirty="0">
+                <a:rPr lang="en-US" sz="4000" b="1">
                   <a:cs typeface="Times New Roman" panose="02020603050405020304" pitchFamily="18" charset="0"/>
                 </a:rPr>
                 <a:t>Lasing:</a:t>
               </a:r>
               <a:r>
-                <a:rPr lang="en-US" sz="4000" dirty="0">
+                <a:rPr lang="en-US" sz="4000">
                   <a:cs typeface="Times New Roman" panose="02020603050405020304" pitchFamily="18" charset="0"/>
                 </a:rPr>
                 <a:t> Narrowing linewidth following Schawlow-Townes and </a:t>
               </a:r>
               <a:r>
-                <a:rPr lang="en-US" sz="4000" dirty="0" err="1">
+                <a:rPr lang="en-US" sz="4000" err="1">
                   <a:cs typeface="Times New Roman" panose="02020603050405020304" pitchFamily="18" charset="0"/>
                 </a:rPr>
                 <a:t>Poissonian</a:t>
               </a:r>
               <a:r>
-                <a:rPr lang="en-US" sz="4000" dirty="0">
+                <a:rPr lang="en-US" sz="4000">
                   <a:cs typeface="Times New Roman" panose="02020603050405020304" pitchFamily="18" charset="0"/>
                 </a:rPr>
                 <a:t> light statistics</a:t>
@@ -4275,24 +4275,24 @@
                 <a:buChar char="•"/>
               </a:pPr>
               <a:r>
-                <a:rPr lang="en-US" sz="4000" b="1" dirty="0"/>
+                <a:rPr lang="en-US" sz="4000" b="1"/>
                 <a:t>Regime</a:t>
               </a:r>
               <a:r>
-                <a:rPr lang="en-US" sz="4000" b="1" dirty="0">
+                <a:rPr lang="en-US" sz="4000" b="1">
                   <a:latin typeface="Times New Roman" panose="02020603050405020304" pitchFamily="18" charset="0"/>
                   <a:cs typeface="Times New Roman" panose="02020603050405020304" pitchFamily="18" charset="0"/>
                 </a:rPr>
                 <a:t> IV - </a:t>
               </a:r>
               <a:r>
-                <a:rPr lang="en-US" sz="4000" b="1" dirty="0">
+                <a:rPr lang="en-US" sz="4000" b="1">
                   <a:cs typeface="Times New Roman" panose="02020603050405020304" pitchFamily="18" charset="0"/>
                 </a:rPr>
                 <a:t>Quenching: </a:t>
               </a:r>
               <a:r>
-                <a:rPr lang="en-US" sz="4000" dirty="0">
+                <a:rPr lang="en-US" sz="4000">
                   <a:cs typeface="Times New Roman" panose="02020603050405020304" pitchFamily="18" charset="0"/>
                 </a:rPr>
                 <a:t>Decoherence from pumping leads to quenching and lasing turn-off giving thermal statistics and low intensity.</a:t>
@@ -4329,7 +4329,7 @@
             <a:lstStyle/>
             <a:p>
               <a:r>
-                <a:rPr lang="da-DK" sz="5000" b="1" dirty="0"/>
+                <a:rPr lang="da-DK" sz="5000" b="1"/>
                 <a:t>Laser transition</a:t>
               </a:r>
             </a:p>
@@ -4388,15 +4388,7 @@
                   <a:schemeClr val="bg1"/>
                 </a:solidFill>
               </a:rPr>
-              <a:t>compute.</a:t>
-            </a:r>
-            <a:r>
-              <a:rPr lang="da-DK" sz="12000" dirty="0">
-                <a:solidFill>
-                  <a:schemeClr val="bg1"/>
-                </a:solidFill>
-              </a:rPr>
-              <a:t>dtu.dk</a:t>
+              <a:t>compute.dtu.dk</a:t>
             </a:r>
           </a:p>
         </p:txBody>
@@ -4424,7 +4416,7 @@
           <a:lstStyle/>
           <a:p>
             <a:r>
-              <a:rPr lang="da-DK" sz="9600" b="1" i="0" dirty="0" err="1">
+              <a:rPr lang="da-DK" sz="9600" b="1" i="0" err="1">
                 <a:solidFill>
                   <a:schemeClr val="bg1"/>
                 </a:solidFill>
@@ -4434,7 +4426,7 @@
               <a:t>Wasserstein</a:t>
             </a:r>
             <a:r>
-              <a:rPr lang="da-DK" sz="9600" b="1" i="0" dirty="0">
+              <a:rPr lang="da-DK" sz="9600" b="1" i="0">
                 <a:solidFill>
                   <a:schemeClr val="bg1"/>
                 </a:solidFill>
@@ -4444,7 +4436,7 @@
               <a:t> Generative </a:t>
             </a:r>
             <a:r>
-              <a:rPr lang="da-DK" sz="9600" b="1" i="0" dirty="0" err="1">
+              <a:rPr lang="da-DK" sz="9600" b="1" i="0" err="1">
                 <a:solidFill>
                   <a:schemeClr val="bg1"/>
                 </a:solidFill>
@@ -4454,7 +4446,7 @@
               <a:t>Adversarial</a:t>
             </a:r>
             <a:r>
-              <a:rPr lang="da-DK" sz="9600" b="1" i="0" dirty="0">
+              <a:rPr lang="da-DK" sz="9600" b="1" i="0">
                 <a:solidFill>
                   <a:schemeClr val="bg1"/>
                 </a:solidFill>
@@ -4463,7 +4455,7 @@
               </a:rPr>
               <a:t> Network</a:t>
             </a:r>
-            <a:endParaRPr lang="da-DK" sz="100" dirty="0">
+            <a:endParaRPr lang="da-DK" sz="100">
               <a:solidFill>
                 <a:schemeClr val="bg1"/>
               </a:solidFill>
@@ -4471,7 +4463,7 @@
           </a:p>
           <a:p>
             <a:r>
-              <a:rPr lang="da-DK" sz="5000" dirty="0">
+              <a:rPr lang="da-DK" sz="5000">
                 <a:solidFill>
                   <a:schemeClr val="bg1"/>
                 </a:solidFill>
@@ -4479,7 +4471,7 @@
               <a:t>Matias Bundgaard-Nielsen</a:t>
             </a:r>
             <a:r>
-              <a:rPr lang="da-DK" sz="5000" baseline="30000" dirty="0">
+              <a:rPr lang="da-DK" sz="5000" baseline="30000">
                 <a:solidFill>
                   <a:schemeClr val="bg1"/>
                 </a:solidFill>
@@ -4487,7 +4479,7 @@
               <a:t>1,2</a:t>
             </a:r>
             <a:r>
-              <a:rPr lang="da-DK" sz="5000" dirty="0">
+              <a:rPr lang="da-DK" sz="5000">
                 <a:solidFill>
                   <a:schemeClr val="bg1"/>
                 </a:solidFill>
@@ -4495,7 +4487,7 @@
               <a:t>,  Emil Vosmar Denning</a:t>
             </a:r>
             <a:r>
-              <a:rPr lang="da-DK" sz="5000" baseline="30000" dirty="0">
+              <a:rPr lang="da-DK" sz="5000" baseline="30000">
                 <a:solidFill>
                   <a:schemeClr val="bg1"/>
                 </a:solidFill>
@@ -4503,7 +4495,7 @@
               <a:t>1,2,3</a:t>
             </a:r>
             <a:r>
-              <a:rPr lang="da-DK" sz="5000" dirty="0">
+              <a:rPr lang="da-DK" sz="5000">
                 <a:solidFill>
                   <a:schemeClr val="bg1"/>
                 </a:solidFill>
@@ -4511,7 +4503,7 @@
               <a:t>, and Jesper Mørk</a:t>
             </a:r>
             <a:r>
-              <a:rPr lang="da-DK" sz="5000" baseline="30000" dirty="0">
+              <a:rPr lang="da-DK" sz="5000" baseline="30000">
                 <a:solidFill>
                   <a:schemeClr val="bg1"/>
                 </a:solidFill>
@@ -4521,7 +4513,7 @@
           </a:p>
           <a:p>
             <a:r>
-              <a:rPr lang="en-US" sz="3000" baseline="30000" dirty="0">
+              <a:rPr lang="en-US" sz="3000" baseline="30000">
                 <a:solidFill>
                   <a:schemeClr val="bg1"/>
                 </a:solidFill>
@@ -4529,7 +4521,7 @@
               <a:t>1</a:t>
             </a:r>
             <a:r>
-              <a:rPr lang="en-US" sz="3000" dirty="0">
+              <a:rPr lang="en-US" sz="3000">
                 <a:solidFill>
                   <a:schemeClr val="bg1"/>
                 </a:solidFill>
@@ -4539,7 +4531,7 @@
           </a:p>
           <a:p>
             <a:r>
-              <a:rPr lang="en-US" sz="3000" baseline="30000" dirty="0">
+              <a:rPr lang="en-US" sz="3000" baseline="30000">
                 <a:solidFill>
                   <a:schemeClr val="bg1"/>
                 </a:solidFill>
@@ -4547,7 +4539,7 @@
               <a:t>2</a:t>
             </a:r>
             <a:r>
-              <a:rPr lang="da-DK" sz="3000" dirty="0" err="1">
+              <a:rPr lang="da-DK" sz="3000" err="1">
                 <a:solidFill>
                   <a:schemeClr val="bg1"/>
                 </a:solidFill>
@@ -4555,7 +4547,7 @@
               <a:t>NanoPhoton</a:t>
             </a:r>
             <a:r>
-              <a:rPr lang="da-DK" sz="3000" dirty="0">
+              <a:rPr lang="da-DK" sz="3000">
                 <a:solidFill>
                   <a:schemeClr val="bg1"/>
                 </a:solidFill>
@@ -4563,7 +4555,7 @@
               <a:t>-Center for </a:t>
             </a:r>
             <a:r>
-              <a:rPr lang="da-DK" sz="3000" dirty="0" err="1">
+              <a:rPr lang="da-DK" sz="3000" err="1">
                 <a:solidFill>
                   <a:schemeClr val="bg1"/>
                 </a:solidFill>
@@ -4571,7 +4563,7 @@
               <a:t>Nanophotonics</a:t>
             </a:r>
             <a:r>
-              <a:rPr lang="da-DK" sz="3000" dirty="0">
+              <a:rPr lang="da-DK" sz="3000">
                 <a:solidFill>
                   <a:schemeClr val="bg1"/>
                 </a:solidFill>
@@ -4581,7 +4573,7 @@
           </a:p>
           <a:p>
             <a:r>
-              <a:rPr lang="de-DE" sz="3000" baseline="30000" dirty="0">
+              <a:rPr lang="de-DE" sz="3000" baseline="30000">
                 <a:solidFill>
                   <a:schemeClr val="bg1"/>
                 </a:solidFill>
@@ -4589,7 +4581,7 @@
               <a:t>3</a:t>
             </a:r>
             <a:r>
-              <a:rPr lang="de-DE" sz="3000" dirty="0">
+              <a:rPr lang="de-DE" sz="3000">
                 <a:solidFill>
                   <a:schemeClr val="bg1"/>
                 </a:solidFill>
@@ -4597,7 +4589,7 @@
               <a:t>Nichtlineare Optik und Quantenelektronik, Institut für Theoretische Physik, Technische Universität Berlin</a:t>
             </a:r>
             <a:r>
-              <a:rPr lang="en-US" sz="3000" dirty="0">
+              <a:rPr lang="en-US" sz="3000">
                 <a:solidFill>
                   <a:schemeClr val="bg1"/>
                 </a:solidFill>
@@ -4605,7 +4597,7 @@
               <a:t> ,</a:t>
             </a:r>
             <a:r>
-              <a:rPr lang="da-DK" sz="3000" dirty="0">
+              <a:rPr lang="da-DK" sz="3000">
                 <a:solidFill>
                   <a:schemeClr val="bg1"/>
                 </a:solidFill>
@@ -4759,7 +4751,7 @@
             <a:lstStyle/>
             <a:p>
               <a:pPr algn="ctr"/>
-              <a:endParaRPr lang="en-US" dirty="0"/>
+              <a:endParaRPr lang="en-US"/>
             </a:p>
           </p:txBody>
         </p:sp>
@@ -4796,23 +4788,23 @@
             <a:lstStyle/>
             <a:p>
               <a:r>
-                <a:rPr lang="en-US" sz="4000" dirty="0"/>
+                <a:rPr lang="en-US" sz="4000"/>
                 <a:t>The single-emitter laser is an interesting playground for studying cavity quantum electrodynamics in the transition from vacuum Rabi oscillations and anti-bunching to coherent emission [1-4]. </a:t>
               </a:r>
               <a:r>
-                <a:rPr lang="en-US" sz="4000" dirty="0" err="1"/>
+                <a:rPr lang="en-US" sz="4000" err="1"/>
                 <a:t>Nanolasers</a:t>
               </a:r>
               <a:r>
-                <a:rPr lang="en-US" sz="4000" dirty="0"/>
+                <a:rPr lang="en-US" sz="4000"/>
                 <a:t> may also play an important practical role as light-sources for on-chip optical links. In this context, a detailed understanding of the noise properties is very important since the lasers work in a regime where quantum noise cannot be neglected. Here, we calculate the </a:t>
               </a:r>
               <a:r>
-                <a:rPr lang="en-US" sz="4000" dirty="0" err="1"/>
+                <a:rPr lang="en-US" sz="4000" err="1"/>
                 <a:t>intracavity</a:t>
               </a:r>
               <a:r>
-                <a:rPr lang="en-US" sz="4000" dirty="0"/>
+                <a:rPr lang="en-US" sz="4000"/>
                 <a:t> as well as out-coupled intensity noise and show that partition noise dominates in the latter case. We compare the results obtained by first-principles quantum master equations to those obtained by stochastic simulations of rate equations and show that the latter is able to predict the intensity noise properties with surprisingly good accuracy, despite neglecting coherent effects such as Rabi oscillations.   </a:t>
               </a:r>
             </a:p>
@@ -4847,7 +4839,7 @@
             <a:lstStyle/>
             <a:p>
               <a:r>
-                <a:rPr lang="da-DK" sz="5000" b="1" dirty="0"/>
+                <a:rPr lang="da-DK" sz="5000" b="1"/>
                 <a:t>Motivation</a:t>
               </a:r>
             </a:p>
@@ -4918,7 +4910,7 @@
           <a:lstStyle/>
           <a:p>
             <a:pPr algn="ctr"/>
-            <a:endParaRPr lang="en-US" dirty="0"/>
+            <a:endParaRPr lang="en-US"/>
           </a:p>
         </p:txBody>
       </p:sp>
@@ -4951,7 +4943,7 @@
           <a:lstStyle/>
           <a:p>
             <a:r>
-              <a:rPr lang="da-DK" sz="5000" b="1" dirty="0"/>
+              <a:rPr lang="da-DK" sz="5000" b="1"/>
               <a:t>References</a:t>
             </a:r>
           </a:p>
@@ -5061,7 +5053,7 @@
               <a:lstStyle/>
               <a:p>
                 <a:pPr algn="ctr"/>
-                <a:endParaRPr lang="en-US" dirty="0"/>
+                <a:endParaRPr lang="en-US"/>
               </a:p>
             </p:txBody>
           </p:sp>
@@ -5094,10 +5086,10 @@
               <a:lstStyle/>
               <a:p>
                 <a:r>
-                  <a:rPr lang="da-DK" sz="5000" b="1" dirty="0" err="1"/>
+                  <a:rPr lang="da-DK" sz="5000" b="1" err="1"/>
                   <a:t>Conclusion</a:t>
                 </a:r>
-                <a:endParaRPr lang="da-DK" sz="5000" b="1" dirty="0"/>
+                <a:endParaRPr lang="da-DK" sz="5000" b="1"/>
               </a:p>
             </p:txBody>
           </p:sp>
@@ -5137,15 +5129,15 @@
             <a:lstStyle/>
             <a:p>
               <a:r>
-                <a:rPr lang="en-US" sz="4000" dirty="0"/>
+                <a:rPr lang="en-US" sz="4000"/>
                 <a:t>Despite the stochastic approach being based on a rate equation, it is surprisingly accurate for predicting intensity noise, even in the regime of Rabi oscillations. This shows that many properties of the single-emitter laser can be explained by considering only the discrete nature of photons and emitter excitation. The out-coupled RIN is dominated by shot noise and characteristics of the </a:t>
               </a:r>
               <a:r>
-                <a:rPr lang="en-US" sz="4000" dirty="0" err="1"/>
+                <a:rPr lang="en-US" sz="4000" err="1"/>
                 <a:t>intracavity</a:t>
               </a:r>
               <a:r>
-                <a:rPr lang="en-US" sz="4000" dirty="0"/>
+                <a:rPr lang="en-US" sz="4000"/>
                 <a:t> RIN are washed out</a:t>
               </a:r>
             </a:p>
@@ -5185,67 +5177,67 @@
           <a:lstStyle/>
           <a:p>
             <a:r>
-              <a:rPr lang="en-US" sz="2500" dirty="0"/>
+              <a:rPr lang="en-US" sz="2500"/>
               <a:t>[1] </a:t>
             </a:r>
             <a:r>
-              <a:rPr lang="en-US" sz="2500" dirty="0" err="1"/>
+              <a:rPr lang="en-US" sz="2500" err="1"/>
               <a:t>Löffler</a:t>
             </a:r>
             <a:r>
-              <a:rPr lang="en-US" sz="2500" dirty="0"/>
+              <a:rPr lang="en-US" sz="2500"/>
               <a:t>, M., Meyer, G. M., &amp; Walther, H. (1997. Phys. Rev. A, 55(5), 3923–3930 </a:t>
             </a:r>
           </a:p>
           <a:p>
             <a:r>
-              <a:rPr lang="en-US" sz="2500" dirty="0"/>
+              <a:rPr lang="en-US" sz="2500"/>
               <a:t>[2] </a:t>
             </a:r>
             <a:r>
-              <a:rPr lang="en-US" sz="2500" dirty="0" err="1">
+              <a:rPr lang="en-US" sz="2500" err="1">
                 <a:effectLst/>
               </a:rPr>
               <a:t>Gies</a:t>
             </a:r>
             <a:r>
-              <a:rPr lang="en-US" sz="2500" dirty="0">
+              <a:rPr lang="en-US" sz="2500">
                 <a:effectLst/>
               </a:rPr>
               <a:t>, et. Al., </a:t>
             </a:r>
             <a:r>
-              <a:rPr lang="en-US" sz="2500" dirty="0" err="1">
+              <a:rPr lang="en-US" sz="2500" err="1">
                 <a:effectLst/>
               </a:rPr>
               <a:t>Reitzenstein</a:t>
             </a:r>
             <a:r>
-              <a:rPr lang="en-US" sz="2500" dirty="0">
+              <a:rPr lang="en-US" sz="2500">
                 <a:effectLst/>
               </a:rPr>
               <a:t>, S. (2017) </a:t>
             </a:r>
             <a:r>
-              <a:rPr lang="en-US" sz="2500" i="1" dirty="0">
+              <a:rPr lang="en-US" sz="2500" i="1">
                 <a:effectLst/>
               </a:rPr>
               <a:t>Physical Review A</a:t>
             </a:r>
             <a:r>
-              <a:rPr lang="en-US" sz="2500" dirty="0">
+              <a:rPr lang="en-US" sz="2500">
                 <a:effectLst/>
               </a:rPr>
               <a:t>, </a:t>
             </a:r>
             <a:r>
-              <a:rPr lang="en-US" sz="2500" i="1" dirty="0">
+              <a:rPr lang="en-US" sz="2500" i="1">
                 <a:effectLst/>
               </a:rPr>
               <a:t>96</a:t>
             </a:r>
             <a:r>
-              <a:rPr lang="en-US" sz="2500" dirty="0">
+              <a:rPr lang="en-US" sz="2500">
                 <a:effectLst/>
               </a:rPr>
               <a:t>(2)</a:t>
@@ -5253,47 +5245,47 @@
           </a:p>
           <a:p>
             <a:r>
-              <a:rPr lang="en-US" sz="2500" dirty="0"/>
+              <a:rPr lang="en-US" sz="2500"/>
               <a:t>[3] </a:t>
             </a:r>
             <a:r>
-              <a:rPr lang="en-US" sz="2500" dirty="0">
+              <a:rPr lang="en-US" sz="2500">
                 <a:effectLst/>
               </a:rPr>
               <a:t>Del Valle, E., &amp; </a:t>
             </a:r>
             <a:r>
-              <a:rPr lang="en-US" sz="2500" dirty="0" err="1">
+              <a:rPr lang="en-US" sz="2500" err="1">
                 <a:effectLst/>
               </a:rPr>
               <a:t>Laussy</a:t>
             </a:r>
             <a:r>
-              <a:rPr lang="en-US" sz="2500" dirty="0">
+              <a:rPr lang="en-US" sz="2500">
                 <a:effectLst/>
               </a:rPr>
               <a:t>, F. P. (2011) </a:t>
             </a:r>
             <a:r>
-              <a:rPr lang="en-US" sz="2500" i="1" dirty="0">
+              <a:rPr lang="en-US" sz="2500" i="1">
                 <a:effectLst/>
               </a:rPr>
               <a:t>Physical Review A</a:t>
             </a:r>
             <a:r>
-              <a:rPr lang="en-US" sz="2500" dirty="0">
+              <a:rPr lang="en-US" sz="2500">
                 <a:effectLst/>
               </a:rPr>
               <a:t>, </a:t>
             </a:r>
             <a:r>
-              <a:rPr lang="en-US" sz="2500" i="1" dirty="0">
+              <a:rPr lang="en-US" sz="2500" i="1">
                 <a:effectLst/>
               </a:rPr>
               <a:t>84</a:t>
             </a:r>
             <a:r>
-              <a:rPr lang="en-US" sz="2500" dirty="0">
+              <a:rPr lang="en-US" sz="2500">
                 <a:effectLst/>
               </a:rPr>
               <a:t>(4) </a:t>
@@ -5301,90 +5293,90 @@
           </a:p>
           <a:p>
             <a:r>
-              <a:rPr lang="en-US" sz="2500" dirty="0"/>
+              <a:rPr lang="en-US" sz="2500"/>
               <a:t>[4] </a:t>
             </a:r>
             <a:r>
-              <a:rPr lang="en-US" sz="2500" dirty="0">
+              <a:rPr lang="en-US" sz="2500">
                 <a:effectLst/>
               </a:rPr>
               <a:t>Nomura, M., </a:t>
             </a:r>
             <a:r>
-              <a:rPr lang="en-US" sz="2500" dirty="0" err="1">
+              <a:rPr lang="en-US" sz="2500" err="1">
                 <a:effectLst/>
               </a:rPr>
               <a:t>Kumagai</a:t>
             </a:r>
             <a:r>
-              <a:rPr lang="en-US" sz="2500" dirty="0">
+              <a:rPr lang="en-US" sz="2500">
                 <a:effectLst/>
               </a:rPr>
               <a:t>, N., Iwamoto, S., Ota, Y., &amp; Arakawa, Y. (2010) </a:t>
             </a:r>
             <a:r>
-              <a:rPr lang="en-US" sz="2500" i="1" dirty="0">
+              <a:rPr lang="en-US" sz="2500" i="1">
                 <a:effectLst/>
               </a:rPr>
               <a:t>Nature Physics</a:t>
             </a:r>
             <a:r>
-              <a:rPr lang="en-US" sz="2500" dirty="0">
+              <a:rPr lang="en-US" sz="2500">
                 <a:effectLst/>
               </a:rPr>
               <a:t>, </a:t>
             </a:r>
             <a:r>
-              <a:rPr lang="en-US" sz="2500" i="1" dirty="0">
+              <a:rPr lang="en-US" sz="2500" i="1">
                 <a:effectLst/>
               </a:rPr>
               <a:t>6</a:t>
             </a:r>
             <a:r>
-              <a:rPr lang="en-US" sz="2500" dirty="0">
+              <a:rPr lang="en-US" sz="2500">
                 <a:effectLst/>
               </a:rPr>
               <a:t>(4), 279–283. </a:t>
             </a:r>
-            <a:endParaRPr lang="en-US" sz="2500" dirty="0"/>
-          </a:p>
-          <a:p>
-            <a:r>
-              <a:rPr lang="en-US" sz="2500" dirty="0"/>
+            <a:endParaRPr lang="en-US" sz="2500"/>
+          </a:p>
+          <a:p>
+            <a:r>
+              <a:rPr lang="en-US" sz="2500"/>
               <a:t>[5] </a:t>
             </a:r>
             <a:r>
-              <a:rPr lang="en-US" sz="2500" dirty="0" err="1">
+              <a:rPr lang="en-US" sz="2500" err="1">
                 <a:effectLst/>
               </a:rPr>
               <a:t>Mork</a:t>
             </a:r>
             <a:r>
-              <a:rPr lang="en-US" sz="2500" dirty="0">
+              <a:rPr lang="en-US" sz="2500">
                 <a:effectLst/>
               </a:rPr>
               <a:t>, J., &amp; Lippi, G. L. (2018) </a:t>
             </a:r>
             <a:r>
-              <a:rPr lang="en-US" sz="2500" i="1" dirty="0">
+              <a:rPr lang="en-US" sz="2500" i="1">
                 <a:effectLst/>
               </a:rPr>
               <a:t>Applied Physics Letters</a:t>
             </a:r>
             <a:r>
-              <a:rPr lang="en-US" sz="2500" dirty="0">
+              <a:rPr lang="en-US" sz="2500">
                 <a:effectLst/>
               </a:rPr>
               <a:t>, </a:t>
             </a:r>
             <a:r>
-              <a:rPr lang="en-US" sz="2500" i="1" dirty="0">
+              <a:rPr lang="en-US" sz="2500" i="1">
                 <a:effectLst/>
               </a:rPr>
               <a:t>112</a:t>
             </a:r>
             <a:r>
-              <a:rPr lang="en-US" sz="2500" dirty="0">
+              <a:rPr lang="en-US" sz="2500">
                 <a:effectLst/>
               </a:rPr>
               <a:t>(14), 1–6.</a:t>
@@ -5393,55 +5385,55 @@
           <a:p>
             <a:pPr marL="304800" indent="-304800"/>
             <a:r>
-              <a:rPr lang="en-US" sz="2500" dirty="0">
+              <a:rPr lang="en-US" sz="2500">
                 <a:effectLst/>
               </a:rPr>
               <a:t>[6] </a:t>
             </a:r>
             <a:r>
-              <a:rPr lang="en-US" sz="2500" dirty="0" err="1">
+              <a:rPr lang="en-US" sz="2500" err="1">
                 <a:effectLst/>
               </a:rPr>
               <a:t>Poshakinskiy</a:t>
             </a:r>
             <a:r>
-              <a:rPr lang="en-US" sz="2500" dirty="0">
+              <a:rPr lang="en-US" sz="2500">
                 <a:effectLst/>
               </a:rPr>
               <a:t>, A. V., &amp; </a:t>
             </a:r>
             <a:r>
-              <a:rPr lang="en-US" sz="2500" dirty="0" err="1">
+              <a:rPr lang="en-US" sz="2500" err="1">
                 <a:effectLst/>
               </a:rPr>
               <a:t>Poddubny</a:t>
             </a:r>
             <a:r>
-              <a:rPr lang="en-US" sz="2500" dirty="0">
+              <a:rPr lang="en-US" sz="2500">
                 <a:effectLst/>
               </a:rPr>
               <a:t>, A. N. (2014). </a:t>
             </a:r>
             <a:r>
-              <a:rPr lang="en-US" sz="2500" i="1" dirty="0">
+              <a:rPr lang="en-US" sz="2500" i="1">
                 <a:effectLst/>
               </a:rPr>
               <a:t>Journal of Experimental and Theoretical Physics</a:t>
             </a:r>
             <a:r>
-              <a:rPr lang="en-US" sz="2500" dirty="0">
+              <a:rPr lang="en-US" sz="2500">
                 <a:effectLst/>
               </a:rPr>
               <a:t>, </a:t>
             </a:r>
             <a:r>
-              <a:rPr lang="en-US" sz="2500" i="1" dirty="0">
+              <a:rPr lang="en-US" sz="2500" i="1">
                 <a:effectLst/>
               </a:rPr>
               <a:t>118</a:t>
             </a:r>
             <a:r>
-              <a:rPr lang="en-US" sz="2500" dirty="0">
+              <a:rPr lang="en-US" sz="2500">
                 <a:effectLst/>
               </a:rPr>
               <a:t>(2), 205–216. </a:t>
